--- a/Docs/PowerPoints/PMATE-Transition.pptx
+++ b/Docs/PowerPoints/PMATE-Transition.pptx
@@ -207,7 +207,7 @@
           <a:p>
             <a:fld id="{B2A83F63-9BA5-43CC-BAA5-7DE3D8F968E7}" type="datetimeFigureOut">
               <a:rPr lang="en-GB" smtClean="0"/>
-              <a:t>09/05/2021</a:t>
+              <a:t>17/05/2021</a:t>
             </a:fld>
             <a:endParaRPr lang="en-GB"/>
           </a:p>
@@ -1197,7 +1197,7 @@
           <a:p>
             <a:fld id="{0B5303D0-9A0E-4792-880D-167BBDE5E180}" type="datetime1">
               <a:rPr lang="en-US" smtClean="0"/>
-              <a:t>5/9/2021</a:t>
+              <a:t>5/17/2021</a:t>
             </a:fld>
             <a:endParaRPr lang="en-US" dirty="0"/>
           </a:p>
@@ -1448,7 +1448,7 @@
           <a:p>
             <a:fld id="{380C0BDC-B1C5-4286-B836-0DC57B368EC4}" type="datetime1">
               <a:rPr lang="en-US" smtClean="0"/>
-              <a:t>5/9/2021</a:t>
+              <a:t>5/17/2021</a:t>
             </a:fld>
             <a:endParaRPr lang="en-US" dirty="0"/>
           </a:p>
@@ -1763,7 +1763,7 @@
           <a:p>
             <a:fld id="{380C0BDC-B1C5-4286-B836-0DC57B368EC4}" type="datetime1">
               <a:rPr lang="en-US" smtClean="0"/>
-              <a:t>5/9/2021</a:t>
+              <a:t>5/17/2021</a:t>
             </a:fld>
             <a:endParaRPr lang="en-US" dirty="0"/>
           </a:p>
@@ -2105,7 +2105,7 @@
           <a:p>
             <a:fld id="{380C0BDC-B1C5-4286-B836-0DC57B368EC4}" type="datetime1">
               <a:rPr lang="en-US" smtClean="0"/>
-              <a:t>5/9/2021</a:t>
+              <a:t>5/17/2021</a:t>
             </a:fld>
             <a:endParaRPr lang="en-US" dirty="0"/>
           </a:p>
@@ -2420,7 +2420,7 @@
           <a:p>
             <a:fld id="{380C0BDC-B1C5-4286-B836-0DC57B368EC4}" type="datetime1">
               <a:rPr lang="en-US" smtClean="0"/>
-              <a:t>5/9/2021</a:t>
+              <a:t>5/17/2021</a:t>
             </a:fld>
             <a:endParaRPr lang="en-US" dirty="0"/>
           </a:p>
@@ -2814,7 +2814,7 @@
           <a:p>
             <a:fld id="{380C0BDC-B1C5-4286-B836-0DC57B368EC4}" type="datetime1">
               <a:rPr lang="en-US" smtClean="0"/>
-              <a:t>5/9/2021</a:t>
+              <a:t>5/17/2021</a:t>
             </a:fld>
             <a:endParaRPr lang="en-US" dirty="0"/>
           </a:p>
@@ -2985,7 +2985,7 @@
           <a:p>
             <a:fld id="{380C0BDC-B1C5-4286-B836-0DC57B368EC4}" type="datetime1">
               <a:rPr lang="en-US" smtClean="0"/>
-              <a:t>5/9/2021</a:t>
+              <a:t>5/17/2021</a:t>
             </a:fld>
             <a:endParaRPr lang="en-US" dirty="0"/>
           </a:p>
@@ -3166,7 +3166,7 @@
           <a:p>
             <a:fld id="{380C0BDC-B1C5-4286-B836-0DC57B368EC4}" type="datetime1">
               <a:rPr lang="en-US" smtClean="0"/>
-              <a:t>5/9/2021</a:t>
+              <a:t>5/17/2021</a:t>
             </a:fld>
             <a:endParaRPr lang="en-US" dirty="0"/>
           </a:p>
@@ -3343,7 +3343,7 @@
           <a:p>
             <a:fld id="{593BC3AE-7294-4FF2-845B-65687AA7FF1C}" type="datetime1">
               <a:rPr lang="en-US" smtClean="0"/>
-              <a:t>5/9/2021</a:t>
+              <a:t>5/17/2021</a:t>
             </a:fld>
             <a:endParaRPr lang="en-US" dirty="0"/>
           </a:p>
@@ -3590,7 +3590,7 @@
           <a:p>
             <a:fld id="{BEED2051-BD34-40EF-8430-59F17158FBA8}" type="datetime1">
               <a:rPr lang="en-US" smtClean="0"/>
-              <a:t>5/9/2021</a:t>
+              <a:t>5/17/2021</a:t>
             </a:fld>
             <a:endParaRPr lang="en-US" dirty="0"/>
           </a:p>
@@ -3822,7 +3822,7 @@
           <a:p>
             <a:fld id="{A4B29A4C-FEB0-4B59-B915-5F3F87D0197F}" type="datetime1">
               <a:rPr lang="en-US" smtClean="0"/>
-              <a:t>5/9/2021</a:t>
+              <a:t>5/17/2021</a:t>
             </a:fld>
             <a:endParaRPr lang="en-US" dirty="0"/>
           </a:p>
@@ -4196,7 +4196,7 @@
           <a:p>
             <a:fld id="{DBCC1FA1-B637-43EA-8599-7B5E731F09D6}" type="datetime1">
               <a:rPr lang="en-US" smtClean="0"/>
-              <a:t>5/9/2021</a:t>
+              <a:t>5/17/2021</a:t>
             </a:fld>
             <a:endParaRPr lang="en-US" dirty="0"/>
           </a:p>
@@ -4319,7 +4319,7 @@
           <a:p>
             <a:fld id="{340A47FF-39EA-449E-B5D5-406161141960}" type="datetime1">
               <a:rPr lang="en-US" smtClean="0"/>
-              <a:t>5/9/2021</a:t>
+              <a:t>5/17/2021</a:t>
             </a:fld>
             <a:endParaRPr lang="en-US" dirty="0"/>
           </a:p>
@@ -4414,7 +4414,7 @@
           <a:p>
             <a:fld id="{61C3BC50-85B8-472F-B223-BD49901F9504}" type="datetime1">
               <a:rPr lang="en-US" smtClean="0"/>
-              <a:t>5/9/2021</a:t>
+              <a:t>5/17/2021</a:t>
             </a:fld>
             <a:endParaRPr lang="en-US" dirty="0"/>
           </a:p>
@@ -4669,7 +4669,7 @@
           <a:p>
             <a:fld id="{CB8BC646-8CD7-43D3-B526-FEBE78F5D07E}" type="datetime1">
               <a:rPr lang="en-US" smtClean="0"/>
-              <a:t>5/9/2021</a:t>
+              <a:t>5/17/2021</a:t>
             </a:fld>
             <a:endParaRPr lang="en-US" dirty="0"/>
           </a:p>
@@ -4932,7 +4932,7 @@
           <a:p>
             <a:fld id="{6E7E7FAA-6AF1-4932-A3B9-79B012596439}" type="datetime1">
               <a:rPr lang="en-US" smtClean="0"/>
-              <a:t>5/9/2021</a:t>
+              <a:t>5/17/2021</a:t>
             </a:fld>
             <a:endParaRPr lang="en-US" dirty="0"/>
           </a:p>
@@ -5676,7 +5676,7 @@
           <a:p>
             <a:fld id="{380C0BDC-B1C5-4286-B836-0DC57B368EC4}" type="datetime1">
               <a:rPr lang="en-US" smtClean="0"/>
-              <a:t>5/9/2021</a:t>
+              <a:t>5/17/2021</a:t>
             </a:fld>
             <a:endParaRPr lang="en-US" dirty="0"/>
           </a:p>
@@ -7738,7 +7738,7 @@
         </p:nvSpPr>
         <p:spPr>
           <a:xfrm>
-            <a:off x="1129226" y="2283696"/>
+            <a:off x="285867" y="2948034"/>
             <a:ext cx="10438726" cy="3560005"/>
           </a:xfrm>
         </p:spPr>
@@ -7790,81 +7790,6 @@
               <a:buNone/>
             </a:pPr>
             <a:endParaRPr lang="pt-PT" dirty="0">
-              <a:solidFill>
-                <a:srgbClr val="00B050"/>
-              </a:solidFill>
-            </a:endParaRPr>
-          </a:p>
-          <a:p>
-            <a:pPr>
-              <a:buFont typeface="Wingdings" panose="05000000000000000000" pitchFamily="2" charset="2"/>
-              <a:buChar char="v"/>
-            </a:pPr>
-            <a:r>
-              <a:rPr lang="en-US" dirty="0">
-                <a:solidFill>
-                  <a:schemeClr val="tx1"/>
-                </a:solidFill>
-              </a:rPr>
-              <a:t>External Interfaces</a:t>
-            </a:r>
-            <a:endParaRPr lang="en-US" dirty="0"/>
-          </a:p>
-          <a:p>
-            <a:pPr marL="1071563" indent="-457200">
-              <a:spcBef>
-                <a:spcPts val="1200"/>
-              </a:spcBef>
-              <a:spcAft>
-                <a:spcPts val="1200"/>
-              </a:spcAft>
-              <a:buFont typeface="+mj-lt"/>
-              <a:buAutoNum type="arabicPeriod" startAt="3"/>
-            </a:pPr>
-            <a:r>
-              <a:rPr lang="en-US" sz="2200" b="0" i="0" u="none" strike="noStrike" dirty="0" err="1">
-                <a:solidFill>
-                  <a:srgbClr val="00B050"/>
-                </a:solidFill>
-                <a:effectLst/>
-              </a:rPr>
-              <a:t>Pmate</a:t>
-            </a:r>
-            <a:r>
-              <a:rPr lang="en-US" sz="2200" b="0" i="0" u="none" strike="noStrike" dirty="0">
-                <a:solidFill>
-                  <a:srgbClr val="00B050"/>
-                </a:solidFill>
-                <a:effectLst/>
-              </a:rPr>
-              <a:t> has other interfaces. </a:t>
-            </a:r>
-            <a:r>
-              <a:rPr lang="en-US" sz="2200" dirty="0">
-                <a:solidFill>
-                  <a:srgbClr val="00B050"/>
-                </a:solidFill>
-              </a:rPr>
-              <a:t>The creation of accounts happens on the main website </a:t>
-            </a:r>
-            <a:r>
-              <a:rPr lang="en-US" sz="2200" u="sng" dirty="0">
-                <a:solidFill>
-                  <a:srgbClr val="00B050"/>
-                </a:solidFill>
-              </a:rPr>
-              <a:t>pmate.ua.pt</a:t>
-            </a:r>
-            <a:r>
-              <a:rPr lang="en-US" sz="2200" b="0" i="0" u="sng" strike="noStrike" dirty="0">
-                <a:solidFill>
-                  <a:srgbClr val="00B050"/>
-                </a:solidFill>
-                <a:effectLst/>
-              </a:rPr>
-              <a:t> </a:t>
-            </a:r>
-            <a:endParaRPr lang="en-US" sz="2200" u="sng" dirty="0">
               <a:solidFill>
                 <a:srgbClr val="00B050"/>
               </a:solidFill>
@@ -8011,59 +7936,12 @@
         </p:blipFill>
         <p:spPr>
           <a:xfrm>
-            <a:off x="445665" y="2034612"/>
+            <a:off x="285867" y="2051918"/>
             <a:ext cx="802042" cy="802042"/>
           </a:xfrm>
           <a:prstGeom prst="rect">
             <a:avLst/>
           </a:prstGeom>
-        </p:spPr>
-      </p:pic>
-      <p:pic>
-        <p:nvPicPr>
-          <p:cNvPr id="1028" name="Picture 4">
-            <a:extLst>
-              <a:ext uri="{FF2B5EF4-FFF2-40B4-BE49-F238E27FC236}">
-                <a16:creationId xmlns:a16="http://schemas.microsoft.com/office/drawing/2014/main" id="{7F83E1FB-FE47-4CA1-B1F1-3AD6CDB3A2FF}"/>
-              </a:ext>
-            </a:extLst>
-          </p:cNvPr>
-          <p:cNvPicPr>
-            <a:picLocks noChangeAspect="1" noChangeArrowheads="1"/>
-          </p:cNvPicPr>
-          <p:nvPr/>
-        </p:nvPicPr>
-        <p:blipFill>
-          <a:blip r:embed="rId7">
-            <a:extLst>
-              <a:ext uri="{28A0092B-C50C-407E-A947-70E740481C1C}">
-                <a14:useLocalDpi xmlns:a14="http://schemas.microsoft.com/office/drawing/2010/main" val="0"/>
-              </a:ext>
-            </a:extLst>
-          </a:blip>
-          <a:srcRect/>
-          <a:stretch>
-            <a:fillRect/>
-          </a:stretch>
-        </p:blipFill>
-        <p:spPr bwMode="auto">
-          <a:xfrm>
-            <a:off x="445665" y="3914918"/>
-            <a:ext cx="698581" cy="698581"/>
-          </a:xfrm>
-          <a:prstGeom prst="rect">
-            <a:avLst/>
-          </a:prstGeom>
-          <a:noFill/>
-          <a:extLst>
-            <a:ext uri="{909E8E84-426E-40DD-AFC4-6F175D3DCCD1}">
-              <a14:hiddenFill xmlns:a14="http://schemas.microsoft.com/office/drawing/2010/main">
-                <a:solidFill>
-                  <a:srgbClr val="FFFFFF"/>
-                </a:solidFill>
-              </a14:hiddenFill>
-            </a:ext>
-          </a:extLst>
         </p:spPr>
       </p:pic>
       <p:sp>
@@ -13128,15 +13006,6 @@
 </file>
 
 <file path=customXml/item2.xml><?xml version="1.0" encoding="utf-8"?>
-<?mso-contentType ?>
-<FormTemplates xmlns="http://schemas.microsoft.com/sharepoint/v3/contenttype/forms">
-  <Display>DocumentLibraryForm</Display>
-  <Edit>DocumentLibraryForm</Edit>
-  <New>DocumentLibraryForm</New>
-</FormTemplates>
-</file>
-
-<file path=customXml/item3.xml><?xml version="1.0" encoding="utf-8"?>
 <ct:contentTypeSchema xmlns:ct="http://schemas.microsoft.com/office/2006/metadata/contentType" xmlns:ma="http://schemas.microsoft.com/office/2006/metadata/properties/metaAttributes" ct:_="" ma:_="" ma:contentTypeName="Document" ma:contentTypeID="0x01010079F111ED35F8CC479449609E8A0923A6" ma:contentTypeVersion="12" ma:contentTypeDescription="Create a new document." ma:contentTypeScope="" ma:versionID="a410dd7f93c95333ffa1b60ed6adedd1">
   <xsd:schema xmlns:xsd="http://www.w3.org/2001/XMLSchema" xmlns:xs="http://www.w3.org/2001/XMLSchema" xmlns:p="http://schemas.microsoft.com/office/2006/metadata/properties" xmlns:ns2="71af3243-3dd4-4a8d-8c0d-dd76da1f02a5" xmlns:ns3="16c05727-aa75-4e4a-9b5f-8a80a1165891" targetNamespace="http://schemas.microsoft.com/office/2006/metadata/properties" ma:root="true" ma:fieldsID="a936d9baba76aa3866493feff160faab" ns2:_="" ns3:_="">
     <xsd:import namespace="71af3243-3dd4-4a8d-8c0d-dd76da1f02a5"/>
@@ -13357,6 +13226,15 @@
 </ct:contentTypeSchema>
 </file>
 
+<file path=customXml/item3.xml><?xml version="1.0" encoding="utf-8"?>
+<?mso-contentType ?>
+<FormTemplates xmlns="http://schemas.microsoft.com/sharepoint/v3/contenttype/forms">
+  <Display>DocumentLibraryForm</Display>
+  <Edit>DocumentLibraryForm</Edit>
+  <New>DocumentLibraryForm</New>
+</FormTemplates>
+</file>
+
 <file path=customXml/itemProps1.xml><?xml version="1.0" encoding="utf-8"?>
 <ds:datastoreItem xmlns:ds="http://schemas.openxmlformats.org/officeDocument/2006/customXml" ds:itemID="{137651BA-F45C-4845-9AB3-E0A65B39F5E1}">
   <ds:schemaRefs>
@@ -13375,14 +13253,6 @@
 </file>
 
 <file path=customXml/itemProps2.xml><?xml version="1.0" encoding="utf-8"?>
-<ds:datastoreItem xmlns:ds="http://schemas.openxmlformats.org/officeDocument/2006/customXml" ds:itemID="{CDB58277-F8DF-46FF-84EC-EF41B835E69F}">
-  <ds:schemaRefs>
-    <ds:schemaRef ds:uri="http://schemas.microsoft.com/sharepoint/v3/contenttype/forms"/>
-  </ds:schemaRefs>
-</ds:datastoreItem>
-</file>
-
-<file path=customXml/itemProps3.xml><?xml version="1.0" encoding="utf-8"?>
 <ds:datastoreItem xmlns:ds="http://schemas.openxmlformats.org/officeDocument/2006/customXml" ds:itemID="{2D276E62-80A3-44DD-9BCC-97ED2B99B57F}">
   <ds:schemaRefs>
     <ds:schemaRef ds:uri="http://schemas.microsoft.com/office/2006/metadata/contentType"/>
@@ -13399,4 +13269,12 @@
     <ds:schemaRef ds:uri="http://schemas.microsoft.com/internal/obd"/>
   </ds:schemaRefs>
 </ds:datastoreItem>
+</file>
+
+<file path=customXml/itemProps3.xml><?xml version="1.0" encoding="utf-8"?>
+<ds:datastoreItem xmlns:ds="http://schemas.openxmlformats.org/officeDocument/2006/customXml" ds:itemID="{CDB58277-F8DF-46FF-84EC-EF41B835E69F}">
+  <ds:schemaRefs>
+    <ds:schemaRef ds:uri="http://schemas.microsoft.com/sharepoint/v3/contenttype/forms"/>
+  </ds:schemaRefs>
+</ds:datastoreItem>
 </file>